--- a/Whiteboard design session/WDS trainer presentation - MLOps.pptx
+++ b/Whiteboard design session/WDS trainer presentation - MLOps.pptx
@@ -235,7 +235,7 @@
           <a:p>
             <a:fld id="{52A13B17-C506-4D51-BB37-16B365906619}" type="datetimeFigureOut">
               <a:rPr lang="en-US" smtClean="0"/>
-              <a:t>12/27/2019</a:t>
+              <a:t>3/18/2020</a:t>
             </a:fld>
             <a:endParaRPr lang="en-US" dirty="0"/>
           </a:p>
@@ -16516,7 +16516,7 @@
       </p:sp>
       <p:pic>
         <p:nvPicPr>
-          <p:cNvPr id="6" name="Picture 5" descr="The architectural diagram of the preferred solution">
+          <p:cNvPr id="6" name="Picture 5">
             <a:extLst>
               <a:ext uri="{FF2B5EF4-FFF2-40B4-BE49-F238E27FC236}">
                 <a16:creationId xmlns:a16="http://schemas.microsoft.com/office/drawing/2014/main" id="{6EC24131-3368-46C1-AF77-2C99F5DCDCFE}"/>
@@ -16536,14 +16536,13 @@
               </a:ext>
             </a:extLst>
           </a:blip>
-          <a:stretch>
-            <a:fillRect/>
-          </a:stretch>
+          <a:srcRect/>
+          <a:stretch/>
         </p:blipFill>
         <p:spPr>
           <a:xfrm>
-            <a:off x="1120302" y="1100003"/>
-            <a:ext cx="9951396" cy="5597660"/>
+            <a:off x="1120302" y="1100689"/>
+            <a:ext cx="9951396" cy="5596287"/>
           </a:xfrm>
           <a:prstGeom prst="rect">
             <a:avLst/>
@@ -16950,7 +16949,15 @@
             </a:pPr>
             <a:r>
               <a:rPr lang="en-US" sz="1800" dirty="0"/>
-              <a:t>For the machine learning phases listed, they could author the machine learning pipeline in Azure Notebooks, which provides a free-to-use notebook environment that can leverage the scalable compute provided by Azure and Azure Machine Learning Compute.</a:t>
+              <a:t>For the machine learning phases listed, they could author the machine learning pipeline </a:t>
+            </a:r>
+            <a:r>
+              <a:rPr lang="en-US" sz="1800"/>
+              <a:t>in a notebook </a:t>
+            </a:r>
+            <a:r>
+              <a:rPr lang="en-US" sz="1800" dirty="0"/>
+              <a:t>environment that can leverage the scalable compute provided by Azure and Azure Machine Learning Compute.</a:t>
             </a:r>
           </a:p>
           <a:p>

--- a/Whiteboard design session/WDS trainer presentation - MLOps.pptx
+++ b/Whiteboard design session/WDS trainer presentation - MLOps.pptx
@@ -235,7 +235,7 @@
           <a:p>
             <a:fld id="{52A13B17-C506-4D51-BB37-16B365906619}" type="datetimeFigureOut">
               <a:rPr lang="en-US" smtClean="0"/>
-              <a:t>3/18/2020</a:t>
+              <a:t>3/20/2020</a:t>
             </a:fld>
             <a:endParaRPr lang="en-US" dirty="0"/>
           </a:p>
@@ -17503,13 +17503,20 @@
             </a:r>
           </a:p>
           <a:p>
-            <a:pPr>
-              <a:buFontTx/>
-              <a:buChar char="-"/>
+            <a:pPr marL="0" indent="0">
+              <a:buNone/>
             </a:pPr>
             <a:r>
               <a:rPr lang="en-US" sz="1800" dirty="0"/>
-              <a:t>The second PythonScriptStep references a separate Python script that would evaluate the model's performance and logs the results. </a:t>
+              <a:t>- The second </a:t>
+            </a:r>
+            <a:r>
+              <a:rPr lang="en-US" sz="1800" dirty="0" err="1"/>
+              <a:t>PythonScriptStep</a:t>
+            </a:r>
+            <a:r>
+              <a:rPr lang="en-US" sz="1800" dirty="0"/>
+              <a:t> would reference a separate Python script that evaluates the model's performance and logs the results. </a:t>
             </a:r>
           </a:p>
           <a:p>
@@ -20195,7 +20202,7 @@
           <a:p>
             <a:r>
               <a:rPr lang="en-US" sz="2400" dirty="0"/>
-              <a:t>The component descriptions (which are free form text) are entered and managed via a web application. This web application take new component descriptions entered by authorized technicians and labels the component as compliant or non-compliant based on the text. </a:t>
+              <a:t>The component descriptions (which are free form text) are entered and managed via a web application. This web application takes new component descriptions entered by authorized technicians and labels the components as compliant or non-compliant based on the text. </a:t>
             </a:r>
           </a:p>
           <a:p>
@@ -21664,6 +21671,15 @@
 </file>
 
 <file path=customXml/item1.xml><?xml version="1.0" encoding="utf-8"?>
+<p:properties xmlns:p="http://schemas.microsoft.com/office/2006/metadata/properties" xmlns:xsi="http://www.w3.org/2001/XMLSchema-instance" xmlns:pc="http://schemas.microsoft.com/office/infopath/2007/PartnerControls">
+  <documentManagement>
+    <_ip_UnifiedCompliancePolicyUIAction xmlns="http://schemas.microsoft.com/sharepoint/v3" xsi:nil="true"/>
+    <_ip_UnifiedCompliancePolicyProperties xmlns="http://schemas.microsoft.com/sharepoint/v3" xsi:nil="true"/>
+  </documentManagement>
+</p:properties>
+</file>
+
+<file path=customXml/item2.xml><?xml version="1.0" encoding="utf-8"?>
 <ct:contentTypeSchema xmlns:ct="http://schemas.microsoft.com/office/2006/metadata/contentType" xmlns:ma="http://schemas.microsoft.com/office/2006/metadata/properties/metaAttributes" ct:_="" ma:_="" ma:contentTypeName="Document" ma:contentTypeID="0x010100D15DFA3690A15B4081582BBCC6BEAC3E" ma:contentTypeVersion="9" ma:contentTypeDescription="Create a new document." ma:contentTypeScope="" ma:versionID="642da1784587cbe85a7fdbbe4dc36103">
   <xsd:schema xmlns:xsd="http://www.w3.org/2001/XMLSchema" xmlns:xs="http://www.w3.org/2001/XMLSchema" xmlns:p="http://schemas.microsoft.com/office/2006/metadata/properties" xmlns:ns1="http://schemas.microsoft.com/sharepoint/v3" xmlns:ns2="2023ac63-7b75-4916-a9ee-591457758eee" xmlns:ns3="d9c797ad-d7c3-4982-82b7-81352a75e4a5" targetNamespace="http://schemas.microsoft.com/office/2006/metadata/properties" ma:root="true" ma:fieldsID="91198b0246576053cc55dd2c67035a89" ns1:_="" ns2:_="" ns3:_="">
     <xsd:import namespace="http://schemas.microsoft.com/sharepoint/v3"/>
@@ -21865,15 +21881,6 @@
 </ct:contentTypeSchema>
 </file>
 
-<file path=customXml/item2.xml><?xml version="1.0" encoding="utf-8"?>
-<p:properties xmlns:p="http://schemas.microsoft.com/office/2006/metadata/properties" xmlns:xsi="http://www.w3.org/2001/XMLSchema-instance" xmlns:pc="http://schemas.microsoft.com/office/infopath/2007/PartnerControls">
-  <documentManagement>
-    <_ip_UnifiedCompliancePolicyUIAction xmlns="http://schemas.microsoft.com/sharepoint/v3" xsi:nil="true"/>
-    <_ip_UnifiedCompliancePolicyProperties xmlns="http://schemas.microsoft.com/sharepoint/v3" xsi:nil="true"/>
-  </documentManagement>
-</p:properties>
-</file>
-
 <file path=customXml/item3.xml><?xml version="1.0" encoding="utf-8"?>
 <?mso-contentType ?>
 <FormTemplates xmlns="http://schemas.microsoft.com/sharepoint/v3/contenttype/forms">
@@ -21884,6 +21891,24 @@
 </file>
 
 <file path=customXml/itemProps1.xml><?xml version="1.0" encoding="utf-8"?>
+<ds:datastoreItem xmlns:ds="http://schemas.openxmlformats.org/officeDocument/2006/customXml" ds:itemID="{BAF7D529-36AB-45DA-B239-2F912F2D1610}">
+  <ds:schemaRefs>
+    <ds:schemaRef ds:uri="http://purl.org/dc/terms/"/>
+    <ds:schemaRef ds:uri="http://schemas.microsoft.com/sharepoint/v3"/>
+    <ds:schemaRef ds:uri="http://purl.org/dc/dcmitype/"/>
+    <ds:schemaRef ds:uri="http://schemas.openxmlformats.org/package/2006/metadata/core-properties"/>
+    <ds:schemaRef ds:uri="http://purl.org/dc/elements/1.1/"/>
+    <ds:schemaRef ds:uri="http://schemas.microsoft.com/office/2006/metadata/properties"/>
+    <ds:schemaRef ds:uri="http://schemas.microsoft.com/office/2006/documentManagement/types"/>
+    <ds:schemaRef ds:uri="http://schemas.microsoft.com/office/infopath/2007/PartnerControls"/>
+    <ds:schemaRef ds:uri="d9c797ad-d7c3-4982-82b7-81352a75e4a5"/>
+    <ds:schemaRef ds:uri="2023ac63-7b75-4916-a9ee-591457758eee"/>
+    <ds:schemaRef ds:uri="http://www.w3.org/XML/1998/namespace"/>
+  </ds:schemaRefs>
+</ds:datastoreItem>
+</file>
+
+<file path=customXml/itemProps2.xml><?xml version="1.0" encoding="utf-8"?>
 <ds:datastoreItem xmlns:ds="http://schemas.openxmlformats.org/officeDocument/2006/customXml" ds:itemID="{255F5BEB-6AD6-480A-8556-C80C5EBC10F2}">
   <ds:schemaRefs>
     <ds:schemaRef ds:uri="http://schemas.microsoft.com/office/2006/metadata/contentType"/>
@@ -21903,24 +21928,6 @@
 </ds:datastoreItem>
 </file>
 
-<file path=customXml/itemProps2.xml><?xml version="1.0" encoding="utf-8"?>
-<ds:datastoreItem xmlns:ds="http://schemas.openxmlformats.org/officeDocument/2006/customXml" ds:itemID="{BAF7D529-36AB-45DA-B239-2F912F2D1610}">
-  <ds:schemaRefs>
-    <ds:schemaRef ds:uri="http://purl.org/dc/terms/"/>
-    <ds:schemaRef ds:uri="http://schemas.microsoft.com/sharepoint/v3"/>
-    <ds:schemaRef ds:uri="http://purl.org/dc/dcmitype/"/>
-    <ds:schemaRef ds:uri="http://schemas.openxmlformats.org/package/2006/metadata/core-properties"/>
-    <ds:schemaRef ds:uri="http://purl.org/dc/elements/1.1/"/>
-    <ds:schemaRef ds:uri="http://schemas.microsoft.com/office/2006/metadata/properties"/>
-    <ds:schemaRef ds:uri="http://schemas.microsoft.com/office/2006/documentManagement/types"/>
-    <ds:schemaRef ds:uri="http://schemas.microsoft.com/office/infopath/2007/PartnerControls"/>
-    <ds:schemaRef ds:uri="d9c797ad-d7c3-4982-82b7-81352a75e4a5"/>
-    <ds:schemaRef ds:uri="2023ac63-7b75-4916-a9ee-591457758eee"/>
-    <ds:schemaRef ds:uri="http://www.w3.org/XML/1998/namespace"/>
-  </ds:schemaRefs>
-</ds:datastoreItem>
-</file>
-
 <file path=customXml/itemProps3.xml><?xml version="1.0" encoding="utf-8"?>
 <ds:datastoreItem xmlns:ds="http://schemas.openxmlformats.org/officeDocument/2006/customXml" ds:itemID="{F18501AF-04CF-4482-BAE1-607B49DDC378}">
   <ds:schemaRefs>

--- a/Whiteboard design session/WDS trainer presentation - MLOps.pptx
+++ b/Whiteboard design session/WDS trainer presentation - MLOps.pptx
@@ -235,7 +235,7 @@
           <a:p>
             <a:fld id="{52A13B17-C506-4D51-BB37-16B365906619}" type="datetimeFigureOut">
               <a:rPr lang="en-US" smtClean="0"/>
-              <a:t>3/20/2020</a:t>
+              <a:t>3/21/2020</a:t>
             </a:fld>
             <a:endParaRPr lang="en-US" dirty="0"/>
           </a:p>
@@ -16516,7 +16516,7 @@
       </p:sp>
       <p:pic>
         <p:nvPicPr>
-          <p:cNvPr id="6" name="Picture 5">
+          <p:cNvPr id="6" name="Picture 5" descr="A pipeline is triggered based on a change in the Machine Learning environment. This pipeline goes through the process of building new artifacts and updating container registries with new models and services which are deployed to ACS or Kubernetes for consumption.">
             <a:extLst>
               <a:ext uri="{FF2B5EF4-FFF2-40B4-BE49-F238E27FC236}">
                 <a16:creationId xmlns:a16="http://schemas.microsoft.com/office/drawing/2014/main" id="{6EC24131-3368-46C1-AF77-2C99F5DCDCFE}"/>
@@ -21671,15 +21671,6 @@
 </file>
 
 <file path=customXml/item1.xml><?xml version="1.0" encoding="utf-8"?>
-<p:properties xmlns:p="http://schemas.microsoft.com/office/2006/metadata/properties" xmlns:xsi="http://www.w3.org/2001/XMLSchema-instance" xmlns:pc="http://schemas.microsoft.com/office/infopath/2007/PartnerControls">
-  <documentManagement>
-    <_ip_UnifiedCompliancePolicyUIAction xmlns="http://schemas.microsoft.com/sharepoint/v3" xsi:nil="true"/>
-    <_ip_UnifiedCompliancePolicyProperties xmlns="http://schemas.microsoft.com/sharepoint/v3" xsi:nil="true"/>
-  </documentManagement>
-</p:properties>
-</file>
-
-<file path=customXml/item2.xml><?xml version="1.0" encoding="utf-8"?>
 <ct:contentTypeSchema xmlns:ct="http://schemas.microsoft.com/office/2006/metadata/contentType" xmlns:ma="http://schemas.microsoft.com/office/2006/metadata/properties/metaAttributes" ct:_="" ma:_="" ma:contentTypeName="Document" ma:contentTypeID="0x010100D15DFA3690A15B4081582BBCC6BEAC3E" ma:contentTypeVersion="9" ma:contentTypeDescription="Create a new document." ma:contentTypeScope="" ma:versionID="642da1784587cbe85a7fdbbe4dc36103">
   <xsd:schema xmlns:xsd="http://www.w3.org/2001/XMLSchema" xmlns:xs="http://www.w3.org/2001/XMLSchema" xmlns:p="http://schemas.microsoft.com/office/2006/metadata/properties" xmlns:ns1="http://schemas.microsoft.com/sharepoint/v3" xmlns:ns2="2023ac63-7b75-4916-a9ee-591457758eee" xmlns:ns3="d9c797ad-d7c3-4982-82b7-81352a75e4a5" targetNamespace="http://schemas.microsoft.com/office/2006/metadata/properties" ma:root="true" ma:fieldsID="91198b0246576053cc55dd2c67035a89" ns1:_="" ns2:_="" ns3:_="">
     <xsd:import namespace="http://schemas.microsoft.com/sharepoint/v3"/>
@@ -21881,6 +21872,15 @@
 </ct:contentTypeSchema>
 </file>
 
+<file path=customXml/item2.xml><?xml version="1.0" encoding="utf-8"?>
+<p:properties xmlns:p="http://schemas.microsoft.com/office/2006/metadata/properties" xmlns:xsi="http://www.w3.org/2001/XMLSchema-instance" xmlns:pc="http://schemas.microsoft.com/office/infopath/2007/PartnerControls">
+  <documentManagement>
+    <_ip_UnifiedCompliancePolicyUIAction xmlns="http://schemas.microsoft.com/sharepoint/v3" xsi:nil="true"/>
+    <_ip_UnifiedCompliancePolicyProperties xmlns="http://schemas.microsoft.com/sharepoint/v3" xsi:nil="true"/>
+  </documentManagement>
+</p:properties>
+</file>
+
 <file path=customXml/item3.xml><?xml version="1.0" encoding="utf-8"?>
 <?mso-contentType ?>
 <FormTemplates xmlns="http://schemas.microsoft.com/sharepoint/v3/contenttype/forms">
@@ -21891,24 +21891,6 @@
 </file>
 
 <file path=customXml/itemProps1.xml><?xml version="1.0" encoding="utf-8"?>
-<ds:datastoreItem xmlns:ds="http://schemas.openxmlformats.org/officeDocument/2006/customXml" ds:itemID="{BAF7D529-36AB-45DA-B239-2F912F2D1610}">
-  <ds:schemaRefs>
-    <ds:schemaRef ds:uri="http://purl.org/dc/terms/"/>
-    <ds:schemaRef ds:uri="http://schemas.microsoft.com/sharepoint/v3"/>
-    <ds:schemaRef ds:uri="http://purl.org/dc/dcmitype/"/>
-    <ds:schemaRef ds:uri="http://schemas.openxmlformats.org/package/2006/metadata/core-properties"/>
-    <ds:schemaRef ds:uri="http://purl.org/dc/elements/1.1/"/>
-    <ds:schemaRef ds:uri="http://schemas.microsoft.com/office/2006/metadata/properties"/>
-    <ds:schemaRef ds:uri="http://schemas.microsoft.com/office/2006/documentManagement/types"/>
-    <ds:schemaRef ds:uri="http://schemas.microsoft.com/office/infopath/2007/PartnerControls"/>
-    <ds:schemaRef ds:uri="d9c797ad-d7c3-4982-82b7-81352a75e4a5"/>
-    <ds:schemaRef ds:uri="2023ac63-7b75-4916-a9ee-591457758eee"/>
-    <ds:schemaRef ds:uri="http://www.w3.org/XML/1998/namespace"/>
-  </ds:schemaRefs>
-</ds:datastoreItem>
-</file>
-
-<file path=customXml/itemProps2.xml><?xml version="1.0" encoding="utf-8"?>
 <ds:datastoreItem xmlns:ds="http://schemas.openxmlformats.org/officeDocument/2006/customXml" ds:itemID="{255F5BEB-6AD6-480A-8556-C80C5EBC10F2}">
   <ds:schemaRefs>
     <ds:schemaRef ds:uri="http://schemas.microsoft.com/office/2006/metadata/contentType"/>
@@ -21928,6 +21910,24 @@
 </ds:datastoreItem>
 </file>
 
+<file path=customXml/itemProps2.xml><?xml version="1.0" encoding="utf-8"?>
+<ds:datastoreItem xmlns:ds="http://schemas.openxmlformats.org/officeDocument/2006/customXml" ds:itemID="{BAF7D529-36AB-45DA-B239-2F912F2D1610}">
+  <ds:schemaRefs>
+    <ds:schemaRef ds:uri="http://purl.org/dc/terms/"/>
+    <ds:schemaRef ds:uri="http://schemas.microsoft.com/sharepoint/v3"/>
+    <ds:schemaRef ds:uri="http://purl.org/dc/dcmitype/"/>
+    <ds:schemaRef ds:uri="http://schemas.openxmlformats.org/package/2006/metadata/core-properties"/>
+    <ds:schemaRef ds:uri="http://purl.org/dc/elements/1.1/"/>
+    <ds:schemaRef ds:uri="http://schemas.microsoft.com/office/2006/metadata/properties"/>
+    <ds:schemaRef ds:uri="http://schemas.microsoft.com/office/2006/documentManagement/types"/>
+    <ds:schemaRef ds:uri="http://schemas.microsoft.com/office/infopath/2007/PartnerControls"/>
+    <ds:schemaRef ds:uri="d9c797ad-d7c3-4982-82b7-81352a75e4a5"/>
+    <ds:schemaRef ds:uri="2023ac63-7b75-4916-a9ee-591457758eee"/>
+    <ds:schemaRef ds:uri="http://www.w3.org/XML/1998/namespace"/>
+  </ds:schemaRefs>
+</ds:datastoreItem>
+</file>
+
 <file path=customXml/itemProps3.xml><?xml version="1.0" encoding="utf-8"?>
 <ds:datastoreItem xmlns:ds="http://schemas.openxmlformats.org/officeDocument/2006/customXml" ds:itemID="{F18501AF-04CF-4482-BAE1-607B49DDC378}">
   <ds:schemaRefs>

--- a/Whiteboard design session/WDS trainer presentation - MLOps.pptx
+++ b/Whiteboard design session/WDS trainer presentation - MLOps.pptx
@@ -235,7 +235,7 @@
           <a:p>
             <a:fld id="{52A13B17-C506-4D51-BB37-16B365906619}" type="datetimeFigureOut">
               <a:rPr lang="en-US" smtClean="0"/>
-              <a:t>3/21/2020</a:t>
+              <a:t>9/25/20</a:t>
             </a:fld>
             <a:endParaRPr lang="en-US" dirty="0"/>
           </a:p>
@@ -16406,7 +16406,7 @@
                   <a:schemeClr val="tx1"/>
                 </a:solidFill>
               </a:rPr>
-              <a:t>Francine Fischer, CIO of Trey Research</a:t>
+              <a:t>Francine Fischer, CIO of Wide World Importers</a:t>
             </a:r>
           </a:p>
           <a:p>
@@ -16878,7 +16878,7 @@
             </a:pPr>
             <a:r>
               <a:rPr lang="en-US" sz="1800" dirty="0"/>
-              <a:t>2. Provided that Trey wants to build the PoC using Azure Machine Learning, what is the first item they would want to deploy in Azure? </a:t>
+              <a:t>2. Provided that WWI wants to build the PoC using Azure Machine Learning, what is the first item they would want to deploy in Azure? </a:t>
             </a:r>
           </a:p>
           <a:p>
@@ -16922,7 +16922,7 @@
             </a:br>
             <a:r>
               <a:rPr lang="en-US" sz="1800" dirty="0"/>
-              <a:t>Trey should consider building a machine learning pipeline. They can author these pipelines in Python using the Azure Machine Learning SDK.</a:t>
+              <a:t>WWI should consider building a machine learning pipeline. They can author these pipelines in Python using the Azure Machine Learning SDK.</a:t>
             </a:r>
           </a:p>
           <a:p>
@@ -16949,15 +16949,7 @@
             </a:pPr>
             <a:r>
               <a:rPr lang="en-US" sz="1800" dirty="0"/>
-              <a:t>For the machine learning phases listed, they could author the machine learning pipeline </a:t>
-            </a:r>
-            <a:r>
-              <a:rPr lang="en-US" sz="1800"/>
-              <a:t>in a notebook </a:t>
-            </a:r>
-            <a:r>
-              <a:rPr lang="en-US" sz="1800" dirty="0"/>
-              <a:t>environment that can leverage the scalable compute provided by Azure and Azure Machine Learning Compute.</a:t>
+              <a:t>For the machine learning phases listed, they could author the machine learning pipeline in a notebook environment that can leverage the scalable compute provided by Azure and Azure Machine Learning Compute.</a:t>
             </a:r>
           </a:p>
           <a:p>
@@ -17107,7 +17099,7 @@
             </a:pPr>
             <a:r>
               <a:rPr lang="en-US" sz="1800" dirty="0"/>
-              <a:t>5. Where should Trey upload the component compliance data?</a:t>
+              <a:t>5. Where should WWI upload the component compliance data?</a:t>
             </a:r>
           </a:p>
           <a:p>
@@ -17137,7 +17129,7 @@
             </a:pPr>
             <a:r>
               <a:rPr lang="en-US" sz="1800" dirty="0"/>
-              <a:t>By default, both Azure Files and Azure Blob storage are attached to the workspace and you can use either one. For the PoC, Trey could use the blob storage associated with the Workspace in Azure Blob Storage as the location to upload the component description CSV files. </a:t>
+              <a:t>By default, both Azure Files and Azure Blob storage are attached to the workspace and you can use either one. For the PoC, WWI could use the blob storage associated with the Workspace in Azure Blob Storage as the location to upload the component description CSV files. </a:t>
             </a:r>
           </a:p>
           <a:p>
@@ -17321,7 +17313,7 @@
             </a:pPr>
             <a:r>
               <a:rPr lang="en-US" sz="1800" dirty="0"/>
-              <a:t>Trey would create a Data Reference to the datastore that contains the component text files. They would also script creating or retrieving an existing Azure Machine Learning Compute (which would provide the computing cluster that would execute the training script).</a:t>
+              <a:t>WWI would create a Data Reference to the datastore that contains the component text files. They would also script creating or retrieving an existing Azure Machine Learning Compute (which would provide the computing cluster that would execute the training script).</a:t>
             </a:r>
             <a:br>
               <a:rPr lang="en-US" sz="1800" dirty="0"/>
@@ -17659,7 +17651,15 @@
           <a:p>
             <a:r>
               <a:rPr lang="en-US" sz="2000" dirty="0"/>
-              <a:t>In this whiteboard design session, you will work in a group to design a process Trey Research can follow for orchestrating and deploying updates to the application and the deep learning model in a unified way. You will learn how Trey Research can leverage Deep Learning technologies to scan through their vehicle specification documents to find compliance issues with new regulations. You will design a DevOps pipeline to coordinate retrieving the latest best model from the model registry, packaging the web application, deploying the web application and inferencing web service. You will learn how to monitor the model's performance after it is deployed so Trey Research can be proactive with performance issues. You will investigate the potential to standardize the model format to ONNX to simplify inference runtime code (by enabling pluggability of different models and targeting a broad range of runtime environments) and most importantly to improve inferencing speed over the native model.</a:t>
+              <a:t>In this whiteboard design session, you will work in a group to design a process </a:t>
+            </a:r>
+            <a:r>
+              <a:rPr lang="en-US" dirty="0"/>
+              <a:t>Wide World Importers (WWI) </a:t>
+            </a:r>
+            <a:r>
+              <a:rPr lang="en-US" sz="2000" dirty="0"/>
+              <a:t>can follow for orchestrating and deploying updates to the application and the deep learning model in a unified way. You will learn how WWI can leverage Deep Learning technologies to scan through their vehicle specification documents to find compliance issues with new regulations. You will design a DevOps pipeline to coordinate retrieving the latest best model from the model registry, packaging the web application, deploying the web application and inferencing web service. You will learn how to monitor the model's performance after it is deployed so WWI can be proactive with performance issues. You will investigate the potential to standardize the model format to ONNX to simplify inference runtime code (by enabling pluggability of different models and targeting a broad range of runtime environments) and most importantly to improve inferencing speed over the native model.</a:t>
             </a:r>
           </a:p>
           <a:p>
@@ -17992,7 +17992,7 @@
             </a:pPr>
             <a:r>
               <a:rPr lang="en-US" sz="1800" dirty="0"/>
-              <a:t>1.  Building on the approach you suggested to Trey for machine learning pipelines, what would you propose they use to fold them into a bigger DevOps pipeline for continuous integration and delivery that would result in a new scoring web service being deployed whenever there was a change to the code supporting model training. </a:t>
+              <a:t>1.  Building on the approach you suggested to WWI for machine learning pipelines, what would you propose they use to fold them into a bigger DevOps pipeline for continuous integration and delivery that would result in a new scoring web service being deployed whenever there was a change to the code supporting model training. </a:t>
             </a:r>
           </a:p>
           <a:p>
@@ -18007,7 +18007,7 @@
             </a:pPr>
             <a:r>
               <a:rPr lang="en-US" sz="1800" dirty="0"/>
-              <a:t>Trey should use Azure Pipelines, which is a service of Azure DevOps Services. </a:t>
+              <a:t>WWI should use Azure Pipelines, which is a service of Azure DevOps Services. </a:t>
             </a:r>
           </a:p>
           <a:p>
@@ -18450,7 +18450,7 @@
             </a:pPr>
             <a:r>
               <a:rPr lang="en-US" sz="1800" dirty="0"/>
-              <a:t>5.  After the first pipeline, what kind of Azure Pipeline would Trey define to deploy the scoring web service? What are the core steps in this pipeline? What does the pipeline output?</a:t>
+              <a:t>5.  After the first pipeline, what kind of Azure Pipeline would WWI define to deploy the scoring web service? What are the core steps in this pipeline? What does the pipeline output?</a:t>
             </a:r>
           </a:p>
           <a:p>
@@ -18465,7 +18465,7 @@
             </a:pPr>
             <a:r>
               <a:rPr lang="en-US" sz="1800" dirty="0"/>
-              <a:t>Trey should define a Release pipeline. This pipeline would perform the following steps:</a:t>
+              <a:t>WWI should define a Release pipeline. This pipeline would perform the following steps:</a:t>
             </a:r>
           </a:p>
           <a:p>
@@ -18646,7 +18646,7 @@
             </a:pPr>
             <a:r>
               <a:rPr lang="en-US" sz="1800" dirty="0"/>
-              <a:t>6.  How would Trey modify the aforementioned deployment pipeline to enforce that a manual sign-off is performed before the web service could be deployed into the production environment?</a:t>
+              <a:t>6.  How would WWI modify the aforementioned deployment pipeline to enforce that a manual sign-off is performed before the web service could be deployed into the production environment?</a:t>
             </a:r>
           </a:p>
           <a:p>
@@ -18676,7 +18676,7 @@
             </a:pPr>
             <a:r>
               <a:rPr lang="en-US" sz="1800" dirty="0"/>
-              <a:t>7.  How could Trey configure their Azure Pipelines so as to avoid hardcoding credentials to access Azure resources?</a:t>
+              <a:t>7.  How could WWI configure their Azure Pipelines so as to avoid hardcoding credentials to access Azure resources?</a:t>
             </a:r>
           </a:p>
           <a:p>
@@ -18836,7 +18836,7 @@
             </a:pPr>
             <a:r>
               <a:rPr lang="en-US" sz="1800" dirty="0"/>
-              <a:t>1.  How would you recommend Trey collect diagnostics of the scoring web service in production?</a:t>
+              <a:t>1.  How would you recommend WWI collect diagnostics of the scoring web service in production?</a:t>
             </a:r>
           </a:p>
           <a:p>
@@ -19029,7 +19029,7 @@
             </a:pPr>
             <a:r>
               <a:rPr lang="en-US" sz="1800" dirty="0"/>
-              <a:t>2.  How can Trey collect the data input to the scoring web service and the outputs that result, such that they could monitor how the model is performing in production?</a:t>
+              <a:t>2.  How can WWI collect the data input to the scoring web service and the outputs that result, such that they could monitor how the model is performing in production?</a:t>
             </a:r>
           </a:p>
           <a:p>
@@ -19252,7 +19252,7 @@
                   <a:schemeClr val="tx1"/>
                 </a:solidFill>
               </a:rPr>
-              <a:t>ONNX provides two potential benefits to Trey's scenario. </a:t>
+              <a:t>ONNX provides two potential benefits to WWI's scenario. </a:t>
             </a:r>
           </a:p>
           <a:p>
@@ -19598,7 +19598,7 @@
                   <a:schemeClr val="tx1"/>
                 </a:solidFill>
               </a:rPr>
-              <a:t>- Francine Fischer, CIO of Trey Research</a:t>
+              <a:t>- Francine Fischer, CIO of Wide World Importers</a:t>
             </a:r>
           </a:p>
           <a:p>
@@ -19903,7 +19903,7 @@
           <a:p>
             <a:r>
               <a:rPr lang="en-US" sz="2400" dirty="0"/>
-              <a:t>Trey Research Inc. delivers innovative solutions for manufacturers.</a:t>
+              <a:t>WWI delivers innovative solutions for manufacturers.</a:t>
             </a:r>
           </a:p>
           <a:p>
@@ -19915,7 +19915,7 @@
           <a:p>
             <a:r>
               <a:rPr lang="en-US" sz="2400" dirty="0"/>
-              <a:t>Trey Research has decades specializing in data science and application development that until now were separate units. </a:t>
+              <a:t>WWI has decades specializing in data science and application development that until now were separate units. </a:t>
             </a:r>
           </a:p>
           <a:p>
@@ -21671,6 +21671,15 @@
 </file>
 
 <file path=customXml/item1.xml><?xml version="1.0" encoding="utf-8"?>
+<p:properties xmlns:p="http://schemas.microsoft.com/office/2006/metadata/properties" xmlns:xsi="http://www.w3.org/2001/XMLSchema-instance" xmlns:pc="http://schemas.microsoft.com/office/infopath/2007/PartnerControls">
+  <documentManagement>
+    <_ip_UnifiedCompliancePolicyUIAction xmlns="http://schemas.microsoft.com/sharepoint/v3" xsi:nil="true"/>
+    <_ip_UnifiedCompliancePolicyProperties xmlns="http://schemas.microsoft.com/sharepoint/v3" xsi:nil="true"/>
+  </documentManagement>
+</p:properties>
+</file>
+
+<file path=customXml/item2.xml><?xml version="1.0" encoding="utf-8"?>
 <ct:contentTypeSchema xmlns:ct="http://schemas.microsoft.com/office/2006/metadata/contentType" xmlns:ma="http://schemas.microsoft.com/office/2006/metadata/properties/metaAttributes" ct:_="" ma:_="" ma:contentTypeName="Document" ma:contentTypeID="0x010100D15DFA3690A15B4081582BBCC6BEAC3E" ma:contentTypeVersion="9" ma:contentTypeDescription="Create a new document." ma:contentTypeScope="" ma:versionID="642da1784587cbe85a7fdbbe4dc36103">
   <xsd:schema xmlns:xsd="http://www.w3.org/2001/XMLSchema" xmlns:xs="http://www.w3.org/2001/XMLSchema" xmlns:p="http://schemas.microsoft.com/office/2006/metadata/properties" xmlns:ns1="http://schemas.microsoft.com/sharepoint/v3" xmlns:ns2="2023ac63-7b75-4916-a9ee-591457758eee" xmlns:ns3="d9c797ad-d7c3-4982-82b7-81352a75e4a5" targetNamespace="http://schemas.microsoft.com/office/2006/metadata/properties" ma:root="true" ma:fieldsID="91198b0246576053cc55dd2c67035a89" ns1:_="" ns2:_="" ns3:_="">
     <xsd:import namespace="http://schemas.microsoft.com/sharepoint/v3"/>
@@ -21872,15 +21881,6 @@
 </ct:contentTypeSchema>
 </file>
 
-<file path=customXml/item2.xml><?xml version="1.0" encoding="utf-8"?>
-<p:properties xmlns:p="http://schemas.microsoft.com/office/2006/metadata/properties" xmlns:xsi="http://www.w3.org/2001/XMLSchema-instance" xmlns:pc="http://schemas.microsoft.com/office/infopath/2007/PartnerControls">
-  <documentManagement>
-    <_ip_UnifiedCompliancePolicyUIAction xmlns="http://schemas.microsoft.com/sharepoint/v3" xsi:nil="true"/>
-    <_ip_UnifiedCompliancePolicyProperties xmlns="http://schemas.microsoft.com/sharepoint/v3" xsi:nil="true"/>
-  </documentManagement>
-</p:properties>
-</file>
-
 <file path=customXml/item3.xml><?xml version="1.0" encoding="utf-8"?>
 <?mso-contentType ?>
 <FormTemplates xmlns="http://schemas.microsoft.com/sharepoint/v3/contenttype/forms">
@@ -21891,6 +21891,24 @@
 </file>
 
 <file path=customXml/itemProps1.xml><?xml version="1.0" encoding="utf-8"?>
+<ds:datastoreItem xmlns:ds="http://schemas.openxmlformats.org/officeDocument/2006/customXml" ds:itemID="{BAF7D529-36AB-45DA-B239-2F912F2D1610}">
+  <ds:schemaRefs>
+    <ds:schemaRef ds:uri="http://purl.org/dc/terms/"/>
+    <ds:schemaRef ds:uri="http://schemas.microsoft.com/sharepoint/v3"/>
+    <ds:schemaRef ds:uri="http://purl.org/dc/dcmitype/"/>
+    <ds:schemaRef ds:uri="http://schemas.openxmlformats.org/package/2006/metadata/core-properties"/>
+    <ds:schemaRef ds:uri="http://purl.org/dc/elements/1.1/"/>
+    <ds:schemaRef ds:uri="http://schemas.microsoft.com/office/2006/metadata/properties"/>
+    <ds:schemaRef ds:uri="http://schemas.microsoft.com/office/2006/documentManagement/types"/>
+    <ds:schemaRef ds:uri="http://schemas.microsoft.com/office/infopath/2007/PartnerControls"/>
+    <ds:schemaRef ds:uri="d9c797ad-d7c3-4982-82b7-81352a75e4a5"/>
+    <ds:schemaRef ds:uri="2023ac63-7b75-4916-a9ee-591457758eee"/>
+    <ds:schemaRef ds:uri="http://www.w3.org/XML/1998/namespace"/>
+  </ds:schemaRefs>
+</ds:datastoreItem>
+</file>
+
+<file path=customXml/itemProps2.xml><?xml version="1.0" encoding="utf-8"?>
 <ds:datastoreItem xmlns:ds="http://schemas.openxmlformats.org/officeDocument/2006/customXml" ds:itemID="{255F5BEB-6AD6-480A-8556-C80C5EBC10F2}">
   <ds:schemaRefs>
     <ds:schemaRef ds:uri="http://schemas.microsoft.com/office/2006/metadata/contentType"/>
@@ -21910,24 +21928,6 @@
 </ds:datastoreItem>
 </file>
 
-<file path=customXml/itemProps2.xml><?xml version="1.0" encoding="utf-8"?>
-<ds:datastoreItem xmlns:ds="http://schemas.openxmlformats.org/officeDocument/2006/customXml" ds:itemID="{BAF7D529-36AB-45DA-B239-2F912F2D1610}">
-  <ds:schemaRefs>
-    <ds:schemaRef ds:uri="http://purl.org/dc/terms/"/>
-    <ds:schemaRef ds:uri="http://schemas.microsoft.com/sharepoint/v3"/>
-    <ds:schemaRef ds:uri="http://purl.org/dc/dcmitype/"/>
-    <ds:schemaRef ds:uri="http://schemas.openxmlformats.org/package/2006/metadata/core-properties"/>
-    <ds:schemaRef ds:uri="http://purl.org/dc/elements/1.1/"/>
-    <ds:schemaRef ds:uri="http://schemas.microsoft.com/office/2006/metadata/properties"/>
-    <ds:schemaRef ds:uri="http://schemas.microsoft.com/office/2006/documentManagement/types"/>
-    <ds:schemaRef ds:uri="http://schemas.microsoft.com/office/infopath/2007/PartnerControls"/>
-    <ds:schemaRef ds:uri="d9c797ad-d7c3-4982-82b7-81352a75e4a5"/>
-    <ds:schemaRef ds:uri="2023ac63-7b75-4916-a9ee-591457758eee"/>
-    <ds:schemaRef ds:uri="http://www.w3.org/XML/1998/namespace"/>
-  </ds:schemaRefs>
-</ds:datastoreItem>
-</file>
-
 <file path=customXml/itemProps3.xml><?xml version="1.0" encoding="utf-8"?>
 <ds:datastoreItem xmlns:ds="http://schemas.openxmlformats.org/officeDocument/2006/customXml" ds:itemID="{F18501AF-04CF-4482-BAE1-607B49DDC378}">
   <ds:schemaRefs>

--- a/Whiteboard design session/WDS trainer presentation - MLOps.pptx
+++ b/Whiteboard design session/WDS trainer presentation - MLOps.pptx
@@ -235,7 +235,7 @@
           <a:p>
             <a:fld id="{52A13B17-C506-4D51-BB37-16B365906619}" type="datetimeFigureOut">
               <a:rPr lang="en-US" smtClean="0"/>
-              <a:t>9/25/20</a:t>
+              <a:t>9/29/20</a:t>
             </a:fld>
             <a:endParaRPr lang="en-US" dirty="0"/>
           </a:p>
@@ -18305,12 +18305,8 @@
             </a:pPr>
             <a:r>
               <a:rPr lang="en-US" sz="1800" dirty="0"/>
-              <a:t>- A Docker image registered in the Container Registry.</a:t>
-            </a:r>
-            <a:br>
-              <a:rPr lang="en-US" sz="1800" dirty="0"/>
-            </a:br>
-            <a:endParaRPr lang="en-US" sz="1800" dirty="0"/>
+              <a:t>- A datasheet tagged with the registered model to document the machine learning assets that are used and created as part of the machine learning lifecycle.</a:t>
+            </a:r>
           </a:p>
           <a:p>
             <a:pPr marL="0" indent="0">
@@ -18469,12 +18465,42 @@
             </a:r>
           </a:p>
           <a:p>
+            <a:pPr>
+              <a:buFontTx/>
+              <a:buChar char="-"/>
+            </a:pPr>
+            <a:r>
+              <a:rPr lang="en-US" sz="1800" dirty="0"/>
+              <a:t>Create a continuous deployment trigger based on either an Azure ML Model artifact or a build artifact. Thus, the release pipeline can automatically trigger either when a new trained model is registered or when the first build pipeline successfully completes.</a:t>
+            </a:r>
+          </a:p>
+          <a:p>
+            <a:pPr>
+              <a:buFontTx/>
+              <a:buChar char="-"/>
+            </a:pPr>
+            <a:r>
+              <a:rPr lang="en-US" sz="1800" dirty="0"/>
+              <a:t>Create an environment that defines Python packages, environment variables, and Docker settings that are needed to deploy the trained model.</a:t>
+            </a:r>
+          </a:p>
+          <a:p>
+            <a:pPr>
+              <a:buFontTx/>
+              <a:buChar char="-"/>
+            </a:pPr>
+            <a:r>
+              <a:rPr lang="en-US" sz="1800" dirty="0"/>
+              <a:t>Create the Linux host VM that would execute the web service deployment script.</a:t>
+            </a:r>
+          </a:p>
+          <a:p>
             <a:pPr marL="0" indent="0">
               <a:buNone/>
             </a:pPr>
             <a:r>
               <a:rPr lang="en-US" sz="1800" dirty="0"/>
-              <a:t>- Create the Linux host VM that would execute the web service deployment script.</a:t>
+              <a:t>  </a:t>
             </a:r>
           </a:p>
           <a:p>
@@ -18483,7 +18509,7 @@
             </a:pPr>
             <a:r>
               <a:rPr lang="en-US" sz="1800" dirty="0"/>
-              <a:t>  </a:t>
+              <a:t>The outputs of this pipeline would be:</a:t>
             </a:r>
           </a:p>
           <a:p>
@@ -18492,34 +18518,12 @@
             </a:pPr>
             <a:r>
               <a:rPr lang="en-US" sz="1800" dirty="0"/>
-              <a:t>The outputs of this pipeline would be:</a:t>
-            </a:r>
-          </a:p>
-          <a:p>
-            <a:pPr marL="0" indent="0">
-              <a:buNone/>
-            </a:pPr>
-            <a:r>
-              <a:rPr lang="en-US" sz="1800" dirty="0"/>
               <a:t>- A web service running in either Azure Container Instance or Azure Kubernetes Service.</a:t>
             </a:r>
             <a:br>
-              <a:rPr lang="en-US" sz="1800" dirty="0"/>
+              <a:rPr lang="en-US" sz="1800"/>
             </a:br>
             <a:endParaRPr lang="en-US" sz="1800" dirty="0"/>
-          </a:p>
-          <a:p>
-            <a:pPr marL="0" indent="0">
-              <a:spcAft>
-                <a:spcPts val="882"/>
-              </a:spcAft>
-              <a:buNone/>
-            </a:pPr>
-            <a:endParaRPr lang="en-US" sz="1800" dirty="0">
-              <a:solidFill>
-                <a:schemeClr val="tx1"/>
-              </a:solidFill>
-            </a:endParaRPr>
           </a:p>
         </p:txBody>
       </p:sp>
@@ -21671,15 +21675,6 @@
 </file>
 
 <file path=customXml/item1.xml><?xml version="1.0" encoding="utf-8"?>
-<p:properties xmlns:p="http://schemas.microsoft.com/office/2006/metadata/properties" xmlns:xsi="http://www.w3.org/2001/XMLSchema-instance" xmlns:pc="http://schemas.microsoft.com/office/infopath/2007/PartnerControls">
-  <documentManagement>
-    <_ip_UnifiedCompliancePolicyUIAction xmlns="http://schemas.microsoft.com/sharepoint/v3" xsi:nil="true"/>
-    <_ip_UnifiedCompliancePolicyProperties xmlns="http://schemas.microsoft.com/sharepoint/v3" xsi:nil="true"/>
-  </documentManagement>
-</p:properties>
-</file>
-
-<file path=customXml/item2.xml><?xml version="1.0" encoding="utf-8"?>
 <ct:contentTypeSchema xmlns:ct="http://schemas.microsoft.com/office/2006/metadata/contentType" xmlns:ma="http://schemas.microsoft.com/office/2006/metadata/properties/metaAttributes" ct:_="" ma:_="" ma:contentTypeName="Document" ma:contentTypeID="0x010100D15DFA3690A15B4081582BBCC6BEAC3E" ma:contentTypeVersion="9" ma:contentTypeDescription="Create a new document." ma:contentTypeScope="" ma:versionID="642da1784587cbe85a7fdbbe4dc36103">
   <xsd:schema xmlns:xsd="http://www.w3.org/2001/XMLSchema" xmlns:xs="http://www.w3.org/2001/XMLSchema" xmlns:p="http://schemas.microsoft.com/office/2006/metadata/properties" xmlns:ns1="http://schemas.microsoft.com/sharepoint/v3" xmlns:ns2="2023ac63-7b75-4916-a9ee-591457758eee" xmlns:ns3="d9c797ad-d7c3-4982-82b7-81352a75e4a5" targetNamespace="http://schemas.microsoft.com/office/2006/metadata/properties" ma:root="true" ma:fieldsID="91198b0246576053cc55dd2c67035a89" ns1:_="" ns2:_="" ns3:_="">
     <xsd:import namespace="http://schemas.microsoft.com/sharepoint/v3"/>
@@ -21881,6 +21876,15 @@
 </ct:contentTypeSchema>
 </file>
 
+<file path=customXml/item2.xml><?xml version="1.0" encoding="utf-8"?>
+<p:properties xmlns:p="http://schemas.microsoft.com/office/2006/metadata/properties" xmlns:xsi="http://www.w3.org/2001/XMLSchema-instance" xmlns:pc="http://schemas.microsoft.com/office/infopath/2007/PartnerControls">
+  <documentManagement>
+    <_ip_UnifiedCompliancePolicyUIAction xmlns="http://schemas.microsoft.com/sharepoint/v3" xsi:nil="true"/>
+    <_ip_UnifiedCompliancePolicyProperties xmlns="http://schemas.microsoft.com/sharepoint/v3" xsi:nil="true"/>
+  </documentManagement>
+</p:properties>
+</file>
+
 <file path=customXml/item3.xml><?xml version="1.0" encoding="utf-8"?>
 <?mso-contentType ?>
 <FormTemplates xmlns="http://schemas.microsoft.com/sharepoint/v3/contenttype/forms">
@@ -21891,24 +21895,6 @@
 </file>
 
 <file path=customXml/itemProps1.xml><?xml version="1.0" encoding="utf-8"?>
-<ds:datastoreItem xmlns:ds="http://schemas.openxmlformats.org/officeDocument/2006/customXml" ds:itemID="{BAF7D529-36AB-45DA-B239-2F912F2D1610}">
-  <ds:schemaRefs>
-    <ds:schemaRef ds:uri="http://purl.org/dc/terms/"/>
-    <ds:schemaRef ds:uri="http://schemas.microsoft.com/sharepoint/v3"/>
-    <ds:schemaRef ds:uri="http://purl.org/dc/dcmitype/"/>
-    <ds:schemaRef ds:uri="http://schemas.openxmlformats.org/package/2006/metadata/core-properties"/>
-    <ds:schemaRef ds:uri="http://purl.org/dc/elements/1.1/"/>
-    <ds:schemaRef ds:uri="http://schemas.microsoft.com/office/2006/metadata/properties"/>
-    <ds:schemaRef ds:uri="http://schemas.microsoft.com/office/2006/documentManagement/types"/>
-    <ds:schemaRef ds:uri="http://schemas.microsoft.com/office/infopath/2007/PartnerControls"/>
-    <ds:schemaRef ds:uri="d9c797ad-d7c3-4982-82b7-81352a75e4a5"/>
-    <ds:schemaRef ds:uri="2023ac63-7b75-4916-a9ee-591457758eee"/>
-    <ds:schemaRef ds:uri="http://www.w3.org/XML/1998/namespace"/>
-  </ds:schemaRefs>
-</ds:datastoreItem>
-</file>
-
-<file path=customXml/itemProps2.xml><?xml version="1.0" encoding="utf-8"?>
 <ds:datastoreItem xmlns:ds="http://schemas.openxmlformats.org/officeDocument/2006/customXml" ds:itemID="{255F5BEB-6AD6-480A-8556-C80C5EBC10F2}">
   <ds:schemaRefs>
     <ds:schemaRef ds:uri="http://schemas.microsoft.com/office/2006/metadata/contentType"/>
@@ -21928,6 +21914,24 @@
 </ds:datastoreItem>
 </file>
 
+<file path=customXml/itemProps2.xml><?xml version="1.0" encoding="utf-8"?>
+<ds:datastoreItem xmlns:ds="http://schemas.openxmlformats.org/officeDocument/2006/customXml" ds:itemID="{BAF7D529-36AB-45DA-B239-2F912F2D1610}">
+  <ds:schemaRefs>
+    <ds:schemaRef ds:uri="http://purl.org/dc/terms/"/>
+    <ds:schemaRef ds:uri="http://schemas.microsoft.com/sharepoint/v3"/>
+    <ds:schemaRef ds:uri="http://purl.org/dc/dcmitype/"/>
+    <ds:schemaRef ds:uri="http://schemas.openxmlformats.org/package/2006/metadata/core-properties"/>
+    <ds:schemaRef ds:uri="http://purl.org/dc/elements/1.1/"/>
+    <ds:schemaRef ds:uri="http://schemas.microsoft.com/office/2006/metadata/properties"/>
+    <ds:schemaRef ds:uri="http://schemas.microsoft.com/office/2006/documentManagement/types"/>
+    <ds:schemaRef ds:uri="http://schemas.microsoft.com/office/infopath/2007/PartnerControls"/>
+    <ds:schemaRef ds:uri="d9c797ad-d7c3-4982-82b7-81352a75e4a5"/>
+    <ds:schemaRef ds:uri="2023ac63-7b75-4916-a9ee-591457758eee"/>
+    <ds:schemaRef ds:uri="http://www.w3.org/XML/1998/namespace"/>
+  </ds:schemaRefs>
+</ds:datastoreItem>
+</file>
+
 <file path=customXml/itemProps3.xml><?xml version="1.0" encoding="utf-8"?>
 <ds:datastoreItem xmlns:ds="http://schemas.openxmlformats.org/officeDocument/2006/customXml" ds:itemID="{F18501AF-04CF-4482-BAE1-607B49DDC378}">
   <ds:schemaRefs>
